--- a/ignite.pptx
+++ b/ignite.pptx
@@ -11,16 +11,16 @@
     <p:sldId id="256" r:id="rId2"/>
     <p:sldId id="257" r:id="rId3"/>
     <p:sldId id="258" r:id="rId4"/>
-    <p:sldId id="259" r:id="rId5"/>
-    <p:sldId id="260" r:id="rId6"/>
-    <p:sldId id="261" r:id="rId7"/>
-    <p:sldId id="262" r:id="rId8"/>
-    <p:sldId id="263" r:id="rId9"/>
-    <p:sldId id="264" r:id="rId10"/>
-    <p:sldId id="265" r:id="rId11"/>
-    <p:sldId id="266" r:id="rId12"/>
-    <p:sldId id="267" r:id="rId13"/>
-    <p:sldId id="268" r:id="rId14"/>
+    <p:sldId id="267" r:id="rId5"/>
+    <p:sldId id="268" r:id="rId6"/>
+    <p:sldId id="259" r:id="rId7"/>
+    <p:sldId id="265" r:id="rId8"/>
+    <p:sldId id="266" r:id="rId9"/>
+    <p:sldId id="260" r:id="rId10"/>
+    <p:sldId id="261" r:id="rId11"/>
+    <p:sldId id="262" r:id="rId12"/>
+    <p:sldId id="263" r:id="rId13"/>
+    <p:sldId id="264" r:id="rId14"/>
     <p:sldId id="269" r:id="rId15"/>
     <p:sldId id="270" r:id="rId16"/>
     <p:sldId id="271" r:id="rId17"/>
@@ -212,7 +212,7 @@
             <a:fld id="{1FE7E61B-1275-42F7-8FC7-A666F900944A}" type="datetimeFigureOut">
               <a:rPr lang="sv-SE" smtClean="0"/>
               <a:pPr/>
-              <a:t>2014-05-28</a:t>
+              <a:t>2014-05-29</a:t>
             </a:fld>
             <a:endParaRPr lang="sv-SE"/>
           </a:p>
@@ -381,7 +381,7 @@
     </p:spTree>
     <p:extLst>
       <p:ext uri="{BB962C8B-B14F-4D97-AF65-F5344CB8AC3E}">
-        <p14:creationId xmlns:p14="http://schemas.microsoft.com/office/powerpoint/2010/main" xmlns="" val="1749968283"/>
+        <p14:creationId xmlns="" xmlns:p14="http://schemas.microsoft.com/office/powerpoint/2010/main" val="1749968283"/>
       </p:ext>
     </p:extLst>
   </p:cSld>
@@ -556,7 +556,7 @@
     </p:spTree>
     <p:extLst>
       <p:ext uri="{BB962C8B-B14F-4D97-AF65-F5344CB8AC3E}">
-        <p14:creationId xmlns:p14="http://schemas.microsoft.com/office/powerpoint/2010/main" xmlns="" val="812738689"/>
+        <p14:creationId xmlns="" xmlns:p14="http://schemas.microsoft.com/office/powerpoint/2010/main" val="812738689"/>
       </p:ext>
     </p:extLst>
   </p:cSld>
@@ -748,7 +748,7 @@
             <a:fld id="{05BF644F-D477-4256-AC6F-40AAC6BF536B}" type="datetime1">
               <a:rPr lang="sv-SE" smtClean="0"/>
               <a:pPr/>
-              <a:t>2014-05-28</a:t>
+              <a:t>2014-05-29</a:t>
             </a:fld>
             <a:endParaRPr lang="sv-SE"/>
           </a:p>
@@ -800,7 +800,7 @@
     </p:spTree>
     <p:extLst>
       <p:ext uri="{BB962C8B-B14F-4D97-AF65-F5344CB8AC3E}">
-        <p14:creationId xmlns:p14="http://schemas.microsoft.com/office/powerpoint/2010/main" xmlns="" val="1858379009"/>
+        <p14:creationId xmlns="" xmlns:p14="http://schemas.microsoft.com/office/powerpoint/2010/main" val="1858379009"/>
       </p:ext>
     </p:extLst>
   </p:cSld>
@@ -920,7 +920,7 @@
             <a:fld id="{9A50298A-A217-43D7-9717-FD4D6BDAEA9B}" type="datetime1">
               <a:rPr lang="sv-SE" smtClean="0"/>
               <a:pPr/>
-              <a:t>2014-05-28</a:t>
+              <a:t>2014-05-29</a:t>
             </a:fld>
             <a:endParaRPr lang="sv-SE"/>
           </a:p>
@@ -972,7 +972,7 @@
     </p:spTree>
     <p:extLst>
       <p:ext uri="{BB962C8B-B14F-4D97-AF65-F5344CB8AC3E}">
-        <p14:creationId xmlns:p14="http://schemas.microsoft.com/office/powerpoint/2010/main" xmlns="" val="452096970"/>
+        <p14:creationId xmlns="" xmlns:p14="http://schemas.microsoft.com/office/powerpoint/2010/main" val="452096970"/>
       </p:ext>
     </p:extLst>
   </p:cSld>
@@ -1102,7 +1102,7 @@
             <a:fld id="{06CD44E2-4972-418D-B096-D5D32BE3079C}" type="datetime1">
               <a:rPr lang="sv-SE" smtClean="0"/>
               <a:pPr/>
-              <a:t>2014-05-28</a:t>
+              <a:t>2014-05-29</a:t>
             </a:fld>
             <a:endParaRPr lang="sv-SE"/>
           </a:p>
@@ -1154,7 +1154,7 @@
     </p:spTree>
     <p:extLst>
       <p:ext uri="{BB962C8B-B14F-4D97-AF65-F5344CB8AC3E}">
-        <p14:creationId xmlns:p14="http://schemas.microsoft.com/office/powerpoint/2010/main" xmlns="" val="2600145665"/>
+        <p14:creationId xmlns="" xmlns:p14="http://schemas.microsoft.com/office/powerpoint/2010/main" val="2600145665"/>
       </p:ext>
     </p:extLst>
   </p:cSld>
@@ -1274,7 +1274,7 @@
             <a:fld id="{157C2B06-CEDB-4BBE-ACBD-EF97CB8E51A5}" type="datetime1">
               <a:rPr lang="sv-SE" smtClean="0"/>
               <a:pPr/>
-              <a:t>2014-05-28</a:t>
+              <a:t>2014-05-29</a:t>
             </a:fld>
             <a:endParaRPr lang="sv-SE"/>
           </a:p>
@@ -1326,7 +1326,7 @@
     </p:spTree>
     <p:extLst>
       <p:ext uri="{BB962C8B-B14F-4D97-AF65-F5344CB8AC3E}">
-        <p14:creationId xmlns:p14="http://schemas.microsoft.com/office/powerpoint/2010/main" xmlns="" val="314515525"/>
+        <p14:creationId xmlns="" xmlns:p14="http://schemas.microsoft.com/office/powerpoint/2010/main" val="314515525"/>
       </p:ext>
     </p:extLst>
   </p:cSld>
@@ -1522,7 +1522,7 @@
             <a:fld id="{CE1E64E1-D9DD-4B49-A1E3-64F252923AD8}" type="datetime1">
               <a:rPr lang="sv-SE" smtClean="0"/>
               <a:pPr/>
-              <a:t>2014-05-28</a:t>
+              <a:t>2014-05-29</a:t>
             </a:fld>
             <a:endParaRPr lang="sv-SE"/>
           </a:p>
@@ -1574,7 +1574,7 @@
     </p:spTree>
     <p:extLst>
       <p:ext uri="{BB962C8B-B14F-4D97-AF65-F5344CB8AC3E}">
-        <p14:creationId xmlns:p14="http://schemas.microsoft.com/office/powerpoint/2010/main" xmlns="" val="1568520766"/>
+        <p14:creationId xmlns="" xmlns:p14="http://schemas.microsoft.com/office/powerpoint/2010/main" val="1568520766"/>
       </p:ext>
     </p:extLst>
   </p:cSld>
@@ -1812,7 +1812,7 @@
             <a:fld id="{CA2BE0BB-CE9C-45A7-B287-B6B25CFD6BF0}" type="datetime1">
               <a:rPr lang="sv-SE" smtClean="0"/>
               <a:pPr/>
-              <a:t>2014-05-28</a:t>
+              <a:t>2014-05-29</a:t>
             </a:fld>
             <a:endParaRPr lang="sv-SE"/>
           </a:p>
@@ -1864,7 +1864,7 @@
     </p:spTree>
     <p:extLst>
       <p:ext uri="{BB962C8B-B14F-4D97-AF65-F5344CB8AC3E}">
-        <p14:creationId xmlns:p14="http://schemas.microsoft.com/office/powerpoint/2010/main" xmlns="" val="2596013463"/>
+        <p14:creationId xmlns="" xmlns:p14="http://schemas.microsoft.com/office/powerpoint/2010/main" val="2596013463"/>
       </p:ext>
     </p:extLst>
   </p:cSld>
@@ -2236,7 +2236,7 @@
             <a:fld id="{5ADE4154-3513-4F3F-B38A-DC9EBD678482}" type="datetime1">
               <a:rPr lang="sv-SE" smtClean="0"/>
               <a:pPr/>
-              <a:t>2014-05-28</a:t>
+              <a:t>2014-05-29</a:t>
             </a:fld>
             <a:endParaRPr lang="sv-SE"/>
           </a:p>
@@ -2288,7 +2288,7 @@
     </p:spTree>
     <p:extLst>
       <p:ext uri="{BB962C8B-B14F-4D97-AF65-F5344CB8AC3E}">
-        <p14:creationId xmlns:p14="http://schemas.microsoft.com/office/powerpoint/2010/main" xmlns="" val="896750782"/>
+        <p14:creationId xmlns="" xmlns:p14="http://schemas.microsoft.com/office/powerpoint/2010/main" val="896750782"/>
       </p:ext>
     </p:extLst>
   </p:cSld>
@@ -2356,7 +2356,7 @@
             <a:fld id="{27AA34A4-415B-4CB7-B4E8-F324A8FA84B9}" type="datetime1">
               <a:rPr lang="sv-SE" smtClean="0"/>
               <a:pPr/>
-              <a:t>2014-05-28</a:t>
+              <a:t>2014-05-29</a:t>
             </a:fld>
             <a:endParaRPr lang="sv-SE"/>
           </a:p>
@@ -2408,7 +2408,7 @@
     </p:spTree>
     <p:extLst>
       <p:ext uri="{BB962C8B-B14F-4D97-AF65-F5344CB8AC3E}">
-        <p14:creationId xmlns:p14="http://schemas.microsoft.com/office/powerpoint/2010/main" xmlns="" val="445015938"/>
+        <p14:creationId xmlns="" xmlns:p14="http://schemas.microsoft.com/office/powerpoint/2010/main" val="445015938"/>
       </p:ext>
     </p:extLst>
   </p:cSld>
@@ -2453,7 +2453,7 @@
             <a:fld id="{01D121BD-E188-4722-A4F1-4C5579735366}" type="datetime1">
               <a:rPr lang="sv-SE" smtClean="0"/>
               <a:pPr/>
-              <a:t>2014-05-28</a:t>
+              <a:t>2014-05-29</a:t>
             </a:fld>
             <a:endParaRPr lang="sv-SE"/>
           </a:p>
@@ -2505,7 +2505,7 @@
     </p:spTree>
     <p:extLst>
       <p:ext uri="{BB962C8B-B14F-4D97-AF65-F5344CB8AC3E}">
-        <p14:creationId xmlns:p14="http://schemas.microsoft.com/office/powerpoint/2010/main" xmlns="" val="4180237580"/>
+        <p14:creationId xmlns="" xmlns:p14="http://schemas.microsoft.com/office/powerpoint/2010/main" val="4180237580"/>
       </p:ext>
     </p:extLst>
   </p:cSld>
@@ -2732,7 +2732,7 @@
             <a:fld id="{38299D72-EFD8-485C-A5F7-0ABE31B9BDAB}" type="datetime1">
               <a:rPr lang="sv-SE" smtClean="0"/>
               <a:pPr/>
-              <a:t>2014-05-28</a:t>
+              <a:t>2014-05-29</a:t>
             </a:fld>
             <a:endParaRPr lang="sv-SE"/>
           </a:p>
@@ -2784,7 +2784,7 @@
     </p:spTree>
     <p:extLst>
       <p:ext uri="{BB962C8B-B14F-4D97-AF65-F5344CB8AC3E}">
-        <p14:creationId xmlns:p14="http://schemas.microsoft.com/office/powerpoint/2010/main" xmlns="" val="3642162968"/>
+        <p14:creationId xmlns="" xmlns:p14="http://schemas.microsoft.com/office/powerpoint/2010/main" val="3642162968"/>
       </p:ext>
     </p:extLst>
   </p:cSld>
@@ -2987,7 +2987,7 @@
             <a:fld id="{8C4F55BA-0B76-423C-A837-4D3A84B600B1}" type="datetime1">
               <a:rPr lang="sv-SE" smtClean="0"/>
               <a:pPr/>
-              <a:t>2014-05-28</a:t>
+              <a:t>2014-05-29</a:t>
             </a:fld>
             <a:endParaRPr lang="sv-SE"/>
           </a:p>
@@ -3039,7 +3039,7 @@
     </p:spTree>
     <p:extLst>
       <p:ext uri="{BB962C8B-B14F-4D97-AF65-F5344CB8AC3E}">
-        <p14:creationId xmlns:p14="http://schemas.microsoft.com/office/powerpoint/2010/main" xmlns="" val="3440651143"/>
+        <p14:creationId xmlns="" xmlns:p14="http://schemas.microsoft.com/office/powerpoint/2010/main" val="3440651143"/>
       </p:ext>
     </p:extLst>
   </p:cSld>
@@ -3202,7 +3202,7 @@
             <a:fld id="{2B6EDFE1-2B25-453E-A2B2-AC9085329316}" type="datetime1">
               <a:rPr lang="sv-SE" smtClean="0"/>
               <a:pPr/>
-              <a:t>2014-05-28</a:t>
+              <a:t>2014-05-29</a:t>
             </a:fld>
             <a:endParaRPr lang="sv-SE"/>
           </a:p>
@@ -3290,7 +3290,7 @@
     </p:spTree>
     <p:extLst>
       <p:ext uri="{BB962C8B-B14F-4D97-AF65-F5344CB8AC3E}">
-        <p14:creationId xmlns:p14="http://schemas.microsoft.com/office/powerpoint/2010/main" xmlns="" val="2480501203"/>
+        <p14:creationId xmlns="" xmlns:p14="http://schemas.microsoft.com/office/powerpoint/2010/main" val="2480501203"/>
       </p:ext>
     </p:extLst>
   </p:cSld>
@@ -3596,11 +3596,7 @@
           <a:p>
             <a:r>
               <a:rPr lang="sv-SE" dirty="0" smtClean="0"/>
-              <a:t>Fotograf – Mikael Edberg</a:t>
-            </a:r>
-            <a:r>
-              <a:rPr lang="sv-SE" dirty="0" smtClean="0"/>
-              <a:t> </a:t>
+              <a:t>Fotograf – Mikael Edberg </a:t>
             </a:r>
             <a:endParaRPr lang="sv-SE" dirty="0"/>
           </a:p>
@@ -3656,7 +3652,7 @@
     </p:spTree>
     <p:extLst>
       <p:ext uri="{BB962C8B-B14F-4D97-AF65-F5344CB8AC3E}">
-        <p14:creationId xmlns:p14="http://schemas.microsoft.com/office/powerpoint/2010/main" xmlns="" val="1586917518"/>
+        <p14:creationId xmlns="" xmlns:p14="http://schemas.microsoft.com/office/powerpoint/2010/main" val="1586917518"/>
       </p:ext>
     </p:extLst>
   </p:cSld>
@@ -3664,7 +3660,7 @@
     <a:masterClrMapping/>
   </p:clrMapOvr>
   <mc:AlternateContent xmlns:mc="http://schemas.openxmlformats.org/markup-compatibility/2006">
-    <mc:Choice xmlns:p14="http://schemas.microsoft.com/office/powerpoint/2010/main" xmlns="" Requires="p14">
+    <mc:Choice xmlns="" xmlns:p14="http://schemas.microsoft.com/office/powerpoint/2010/main" Requires="p14">
       <p:transition spd="slow" p14:dur="2000" advTm="15000"/>
     </mc:Choice>
     <mc:Fallback>
@@ -3713,7 +3709,11 @@
           <a:bodyPr/>
           <a:lstStyle/>
           <a:p>
-            <a:endParaRPr lang="sv-SE"/>
+            <a:r>
+              <a:rPr lang="sv-SE" dirty="0" smtClean="0"/>
+              <a:t>Exempel</a:t>
+            </a:r>
+            <a:endParaRPr lang="sv-SE" dirty="0"/>
           </a:p>
         </p:txBody>
       </p:sp>
@@ -3732,7 +3732,11 @@
           <a:bodyPr/>
           <a:lstStyle/>
           <a:p>
-            <a:endParaRPr lang="sv-SE"/>
+            <a:r>
+              <a:rPr lang="sv-SE" dirty="0" smtClean="0"/>
+              <a:t>Bild från applikation här</a:t>
+            </a:r>
+            <a:endParaRPr lang="sv-SE" dirty="0"/>
           </a:p>
         </p:txBody>
       </p:sp>
@@ -3763,7 +3767,7 @@
     </p:spTree>
     <p:extLst>
       <p:ext uri="{BB962C8B-B14F-4D97-AF65-F5344CB8AC3E}">
-        <p14:creationId xmlns:p14="http://schemas.microsoft.com/office/powerpoint/2010/main" xmlns="" val="938570143"/>
+        <p14:creationId xmlns="" xmlns:p14="http://schemas.microsoft.com/office/powerpoint/2010/main" val="3604441816"/>
       </p:ext>
     </p:extLst>
   </p:cSld>
@@ -3771,7 +3775,7 @@
     <a:masterClrMapping/>
   </p:clrMapOvr>
   <mc:AlternateContent xmlns:mc="http://schemas.openxmlformats.org/markup-compatibility/2006">
-    <mc:Choice xmlns:p14="http://schemas.microsoft.com/office/powerpoint/2010/main" xmlns="" Requires="p14">
+    <mc:Choice xmlns="" xmlns:p14="http://schemas.microsoft.com/office/powerpoint/2010/main" Requires="p14">
       <p:transition spd="slow" p14:dur="2000" advTm="15000"/>
     </mc:Choice>
     <mc:Fallback>
@@ -3820,7 +3824,11 @@
           <a:bodyPr/>
           <a:lstStyle/>
           <a:p>
-            <a:endParaRPr lang="sv-SE"/>
+            <a:r>
+              <a:rPr lang="sv-SE" dirty="0" smtClean="0"/>
+              <a:t>Exempel</a:t>
+            </a:r>
+            <a:endParaRPr lang="sv-SE" dirty="0"/>
           </a:p>
         </p:txBody>
       </p:sp>
@@ -3839,7 +3847,11 @@
           <a:bodyPr/>
           <a:lstStyle/>
           <a:p>
-            <a:endParaRPr lang="sv-SE"/>
+            <a:r>
+              <a:rPr lang="sv-SE" dirty="0" smtClean="0"/>
+              <a:t>Bild från applikation här</a:t>
+            </a:r>
+            <a:endParaRPr lang="sv-SE" dirty="0"/>
           </a:p>
         </p:txBody>
       </p:sp>
@@ -3870,7 +3882,7 @@
     </p:spTree>
     <p:extLst>
       <p:ext uri="{BB962C8B-B14F-4D97-AF65-F5344CB8AC3E}">
-        <p14:creationId xmlns:p14="http://schemas.microsoft.com/office/powerpoint/2010/main" xmlns="" val="1223803359"/>
+        <p14:creationId xmlns="" xmlns:p14="http://schemas.microsoft.com/office/powerpoint/2010/main" val="3686721605"/>
       </p:ext>
     </p:extLst>
   </p:cSld>
@@ -3878,7 +3890,7 @@
     <a:masterClrMapping/>
   </p:clrMapOvr>
   <mc:AlternateContent xmlns:mc="http://schemas.openxmlformats.org/markup-compatibility/2006">
-    <mc:Choice xmlns:p14="http://schemas.microsoft.com/office/powerpoint/2010/main" xmlns="" Requires="p14">
+    <mc:Choice xmlns="" xmlns:p14="http://schemas.microsoft.com/office/powerpoint/2010/main" Requires="p14">
       <p:transition spd="slow" p14:dur="2000" advTm="15000"/>
     </mc:Choice>
     <mc:Fallback>
@@ -3927,7 +3939,11 @@
           <a:bodyPr/>
           <a:lstStyle/>
           <a:p>
-            <a:endParaRPr lang="sv-SE"/>
+            <a:r>
+              <a:rPr lang="sv-SE" dirty="0" smtClean="0"/>
+              <a:t>Exempel</a:t>
+            </a:r>
+            <a:endParaRPr lang="sv-SE" dirty="0"/>
           </a:p>
         </p:txBody>
       </p:sp>
@@ -3946,7 +3962,11 @@
           <a:bodyPr/>
           <a:lstStyle/>
           <a:p>
-            <a:endParaRPr lang="sv-SE"/>
+            <a:r>
+              <a:rPr lang="sv-SE" dirty="0" smtClean="0"/>
+              <a:t>Bild från applikation här</a:t>
+            </a:r>
+            <a:endParaRPr lang="sv-SE" dirty="0"/>
           </a:p>
         </p:txBody>
       </p:sp>
@@ -3977,7 +3997,7 @@
     </p:spTree>
     <p:extLst>
       <p:ext uri="{BB962C8B-B14F-4D97-AF65-F5344CB8AC3E}">
-        <p14:creationId xmlns:p14="http://schemas.microsoft.com/office/powerpoint/2010/main" xmlns="" val="1799482653"/>
+        <p14:creationId xmlns="" xmlns:p14="http://schemas.microsoft.com/office/powerpoint/2010/main" val="4184343030"/>
       </p:ext>
     </p:extLst>
   </p:cSld>
@@ -3985,7 +4005,7 @@
     <a:masterClrMapping/>
   </p:clrMapOvr>
   <mc:AlternateContent xmlns:mc="http://schemas.openxmlformats.org/markup-compatibility/2006">
-    <mc:Choice xmlns:p14="http://schemas.microsoft.com/office/powerpoint/2010/main" xmlns="" Requires="p14">
+    <mc:Choice xmlns="" xmlns:p14="http://schemas.microsoft.com/office/powerpoint/2010/main" Requires="p14">
       <p:transition spd="slow" p14:dur="2000" advTm="15000"/>
     </mc:Choice>
     <mc:Fallback>
@@ -4034,7 +4054,11 @@
           <a:bodyPr/>
           <a:lstStyle/>
           <a:p>
-            <a:endParaRPr lang="sv-SE"/>
+            <a:r>
+              <a:rPr lang="sv-SE" dirty="0" smtClean="0"/>
+              <a:t>Gränssnitt</a:t>
+            </a:r>
+            <a:endParaRPr lang="sv-SE" dirty="0"/>
           </a:p>
         </p:txBody>
       </p:sp>
@@ -4053,7 +4077,28 @@
           <a:bodyPr/>
           <a:lstStyle/>
           <a:p>
-            <a:endParaRPr lang="sv-SE"/>
+            <a:r>
+              <a:rPr lang="sv-SE" dirty="0" smtClean="0"/>
+              <a:t>Enkelt.</a:t>
+            </a:r>
+          </a:p>
+          <a:p>
+            <a:r>
+              <a:rPr lang="sv-SE" dirty="0" smtClean="0"/>
+              <a:t>En logga som drar blicken till sig så att besökare kommer ihåg den.</a:t>
+            </a:r>
+          </a:p>
+          <a:p>
+            <a:r>
+              <a:rPr lang="sv-SE" dirty="0" smtClean="0"/>
+              <a:t>Färger som passar bra tillsammans.</a:t>
+            </a:r>
+          </a:p>
+          <a:p>
+            <a:pPr>
+              <a:buNone/>
+            </a:pPr>
+            <a:endParaRPr lang="sv-SE" dirty="0"/>
           </a:p>
         </p:txBody>
       </p:sp>
@@ -4084,7 +4129,7 @@
     </p:spTree>
     <p:extLst>
       <p:ext uri="{BB962C8B-B14F-4D97-AF65-F5344CB8AC3E}">
-        <p14:creationId xmlns:p14="http://schemas.microsoft.com/office/powerpoint/2010/main" xmlns="" val="2114805450"/>
+        <p14:creationId xmlns="" xmlns:p14="http://schemas.microsoft.com/office/powerpoint/2010/main" val="3166430847"/>
       </p:ext>
     </p:extLst>
   </p:cSld>
@@ -4092,7 +4137,7 @@
     <a:masterClrMapping/>
   </p:clrMapOvr>
   <mc:AlternateContent xmlns:mc="http://schemas.openxmlformats.org/markup-compatibility/2006">
-    <mc:Choice xmlns:p14="http://schemas.microsoft.com/office/powerpoint/2010/main" xmlns="" Requires="p14">
+    <mc:Choice xmlns="" xmlns:p14="http://schemas.microsoft.com/office/powerpoint/2010/main" Requires="p14">
       <p:transition spd="slow" p14:dur="2000" advTm="15000"/>
     </mc:Choice>
     <mc:Fallback>
@@ -4191,7 +4236,7 @@
     </p:spTree>
     <p:extLst>
       <p:ext uri="{BB962C8B-B14F-4D97-AF65-F5344CB8AC3E}">
-        <p14:creationId xmlns:p14="http://schemas.microsoft.com/office/powerpoint/2010/main" xmlns="" val="2980714895"/>
+        <p14:creationId xmlns="" xmlns:p14="http://schemas.microsoft.com/office/powerpoint/2010/main" val="2980714895"/>
       </p:ext>
     </p:extLst>
   </p:cSld>
@@ -4199,7 +4244,7 @@
     <a:masterClrMapping/>
   </p:clrMapOvr>
   <mc:AlternateContent xmlns:mc="http://schemas.openxmlformats.org/markup-compatibility/2006">
-    <mc:Choice xmlns:p14="http://schemas.microsoft.com/office/powerpoint/2010/main" xmlns="" Requires="p14">
+    <mc:Choice xmlns="" xmlns:p14="http://schemas.microsoft.com/office/powerpoint/2010/main" Requires="p14">
       <p:transition spd="slow" p14:dur="2000" advTm="15000"/>
     </mc:Choice>
     <mc:Fallback>
@@ -4298,7 +4343,7 @@
     </p:spTree>
     <p:extLst>
       <p:ext uri="{BB962C8B-B14F-4D97-AF65-F5344CB8AC3E}">
-        <p14:creationId xmlns:p14="http://schemas.microsoft.com/office/powerpoint/2010/main" xmlns="" val="1974650064"/>
+        <p14:creationId xmlns="" xmlns:p14="http://schemas.microsoft.com/office/powerpoint/2010/main" val="1974650064"/>
       </p:ext>
     </p:extLst>
   </p:cSld>
@@ -4306,7 +4351,7 @@
     <a:masterClrMapping/>
   </p:clrMapOvr>
   <mc:AlternateContent xmlns:mc="http://schemas.openxmlformats.org/markup-compatibility/2006">
-    <mc:Choice xmlns:p14="http://schemas.microsoft.com/office/powerpoint/2010/main" xmlns="" Requires="p14">
+    <mc:Choice xmlns="" xmlns:p14="http://schemas.microsoft.com/office/powerpoint/2010/main" Requires="p14">
       <p:transition spd="slow" p14:dur="2000" advTm="15000"/>
     </mc:Choice>
     <mc:Fallback>
@@ -4405,7 +4450,7 @@
     </p:spTree>
     <p:extLst>
       <p:ext uri="{BB962C8B-B14F-4D97-AF65-F5344CB8AC3E}">
-        <p14:creationId xmlns:p14="http://schemas.microsoft.com/office/powerpoint/2010/main" xmlns="" val="2832114764"/>
+        <p14:creationId xmlns="" xmlns:p14="http://schemas.microsoft.com/office/powerpoint/2010/main" val="2832114764"/>
       </p:ext>
     </p:extLst>
   </p:cSld>
@@ -4413,7 +4458,7 @@
     <a:masterClrMapping/>
   </p:clrMapOvr>
   <mc:AlternateContent xmlns:mc="http://schemas.openxmlformats.org/markup-compatibility/2006">
-    <mc:Choice xmlns:p14="http://schemas.microsoft.com/office/powerpoint/2010/main" xmlns="" Requires="p14">
+    <mc:Choice xmlns="" xmlns:p14="http://schemas.microsoft.com/office/powerpoint/2010/main" Requires="p14">
       <p:transition spd="slow" p14:dur="2000" advTm="15000"/>
     </mc:Choice>
     <mc:Fallback>
@@ -4512,7 +4557,7 @@
     </p:spTree>
     <p:extLst>
       <p:ext uri="{BB962C8B-B14F-4D97-AF65-F5344CB8AC3E}">
-        <p14:creationId xmlns:p14="http://schemas.microsoft.com/office/powerpoint/2010/main" xmlns="" val="2135694604"/>
+        <p14:creationId xmlns="" xmlns:p14="http://schemas.microsoft.com/office/powerpoint/2010/main" val="2135694604"/>
       </p:ext>
     </p:extLst>
   </p:cSld>
@@ -4520,7 +4565,7 @@
     <a:masterClrMapping/>
   </p:clrMapOvr>
   <mc:AlternateContent xmlns:mc="http://schemas.openxmlformats.org/markup-compatibility/2006">
-    <mc:Choice xmlns:p14="http://schemas.microsoft.com/office/powerpoint/2010/main" xmlns="" Requires="p14">
+    <mc:Choice xmlns="" xmlns:p14="http://schemas.microsoft.com/office/powerpoint/2010/main" Requires="p14">
       <p:transition spd="slow" p14:dur="2000" advTm="15000"/>
     </mc:Choice>
     <mc:Fallback>
@@ -4619,7 +4664,7 @@
     </p:spTree>
     <p:extLst>
       <p:ext uri="{BB962C8B-B14F-4D97-AF65-F5344CB8AC3E}">
-        <p14:creationId xmlns:p14="http://schemas.microsoft.com/office/powerpoint/2010/main" xmlns="" val="2410612625"/>
+        <p14:creationId xmlns="" xmlns:p14="http://schemas.microsoft.com/office/powerpoint/2010/main" val="2410612625"/>
       </p:ext>
     </p:extLst>
   </p:cSld>
@@ -4627,7 +4672,7 @@
     <a:masterClrMapping/>
   </p:clrMapOvr>
   <mc:AlternateContent xmlns:mc="http://schemas.openxmlformats.org/markup-compatibility/2006">
-    <mc:Choice xmlns:p14="http://schemas.microsoft.com/office/powerpoint/2010/main" xmlns="" Requires="p14">
+    <mc:Choice xmlns="" xmlns:p14="http://schemas.microsoft.com/office/powerpoint/2010/main" Requires="p14">
       <p:transition spd="slow" p14:dur="2000" advTm="15000"/>
     </mc:Choice>
     <mc:Fallback>
@@ -4726,7 +4771,7 @@
     </p:spTree>
     <p:extLst>
       <p:ext uri="{BB962C8B-B14F-4D97-AF65-F5344CB8AC3E}">
-        <p14:creationId xmlns:p14="http://schemas.microsoft.com/office/powerpoint/2010/main" xmlns="" val="1543509088"/>
+        <p14:creationId xmlns="" xmlns:p14="http://schemas.microsoft.com/office/powerpoint/2010/main" val="1543509088"/>
       </p:ext>
     </p:extLst>
   </p:cSld>
@@ -4734,7 +4779,7 @@
     <a:masterClrMapping/>
   </p:clrMapOvr>
   <mc:AlternateContent xmlns:mc="http://schemas.openxmlformats.org/markup-compatibility/2006">
-    <mc:Choice xmlns:p14="http://schemas.microsoft.com/office/powerpoint/2010/main" xmlns="" Requires="p14">
+    <mc:Choice xmlns="" xmlns:p14="http://schemas.microsoft.com/office/powerpoint/2010/main" Requires="p14">
       <p:transition spd="slow" p14:dur="2000" advTm="15000"/>
     </mc:Choice>
     <mc:Fallback>
@@ -4853,7 +4898,7 @@
     </p:spTree>
     <p:extLst>
       <p:ext uri="{BB962C8B-B14F-4D97-AF65-F5344CB8AC3E}">
-        <p14:creationId xmlns:p14="http://schemas.microsoft.com/office/powerpoint/2010/main" xmlns="" val="1705793321"/>
+        <p14:creationId xmlns="" xmlns:p14="http://schemas.microsoft.com/office/powerpoint/2010/main" val="1705793321"/>
       </p:ext>
     </p:extLst>
   </p:cSld>
@@ -4861,7 +4906,7 @@
     <a:masterClrMapping/>
   </p:clrMapOvr>
   <mc:AlternateContent xmlns:mc="http://schemas.openxmlformats.org/markup-compatibility/2006">
-    <mc:Choice xmlns:p14="http://schemas.microsoft.com/office/powerpoint/2010/main" xmlns="" Requires="p14">
+    <mc:Choice xmlns="" xmlns:p14="http://schemas.microsoft.com/office/powerpoint/2010/main" Requires="p14">
       <p:transition spd="slow" p14:dur="2000" advClick="0" advTm="15000"/>
     </mc:Choice>
     <mc:Fallback>
@@ -4960,7 +5005,7 @@
     </p:spTree>
     <p:extLst>
       <p:ext uri="{BB962C8B-B14F-4D97-AF65-F5344CB8AC3E}">
-        <p14:creationId xmlns:p14="http://schemas.microsoft.com/office/powerpoint/2010/main" xmlns="" val="198890145"/>
+        <p14:creationId xmlns="" xmlns:p14="http://schemas.microsoft.com/office/powerpoint/2010/main" val="198890145"/>
       </p:ext>
     </p:extLst>
   </p:cSld>
@@ -4968,7 +5013,7 @@
     <a:masterClrMapping/>
   </p:clrMapOvr>
   <mc:AlternateContent xmlns:mc="http://schemas.openxmlformats.org/markup-compatibility/2006">
-    <mc:Choice xmlns:p14="http://schemas.microsoft.com/office/powerpoint/2010/main" xmlns="" Requires="p14">
+    <mc:Choice xmlns="" xmlns:p14="http://schemas.microsoft.com/office/powerpoint/2010/main" Requires="p14">
       <p:transition spd="slow" p14:dur="2000" advTm="15000"/>
     </mc:Choice>
     <mc:Fallback>
@@ -5060,15 +5105,7 @@
           <a:p>
             <a:r>
               <a:rPr lang="sv-SE" dirty="0" smtClean="0"/>
-              <a:t>Jag kan ta bort</a:t>
-            </a:r>
-            <a:r>
-              <a:rPr lang="sv-SE" dirty="0" smtClean="0"/>
-              <a:t> </a:t>
-            </a:r>
-            <a:r>
-              <a:rPr lang="sv-SE" dirty="0" smtClean="0"/>
-              <a:t>och redigera ovanstående</a:t>
+              <a:t>Jag kan ta bort och redigera ovanstående</a:t>
             </a:r>
           </a:p>
           <a:p>
@@ -5118,7 +5155,7 @@
     </p:spTree>
     <p:extLst>
       <p:ext uri="{BB962C8B-B14F-4D97-AF65-F5344CB8AC3E}">
-        <p14:creationId xmlns:p14="http://schemas.microsoft.com/office/powerpoint/2010/main" xmlns="" val="3198116138"/>
+        <p14:creationId xmlns="" xmlns:p14="http://schemas.microsoft.com/office/powerpoint/2010/main" val="3198116138"/>
       </p:ext>
     </p:extLst>
   </p:cSld>
@@ -5126,7 +5163,7 @@
     <a:masterClrMapping/>
   </p:clrMapOvr>
   <mc:AlternateContent xmlns:mc="http://schemas.openxmlformats.org/markup-compatibility/2006">
-    <mc:Choice xmlns:p14="http://schemas.microsoft.com/office/powerpoint/2010/main" xmlns="" Requires="p14">
+    <mc:Choice xmlns="" xmlns:p14="http://schemas.microsoft.com/office/powerpoint/2010/main" Requires="p14">
       <p:transition spd="slow" p14:dur="2000" advTm="15000"/>
     </mc:Choice>
     <mc:Fallback>
@@ -5162,68 +5199,6 @@
       </p:grpSpPr>
       <p:sp>
         <p:nvSpPr>
-          <p:cNvPr id="2" name="Title 1"/>
-          <p:cNvSpPr>
-            <a:spLocks noGrp="1"/>
-          </p:cNvSpPr>
-          <p:nvPr>
-            <p:ph type="title"/>
-          </p:nvPr>
-        </p:nvSpPr>
-        <p:spPr/>
-        <p:txBody>
-          <a:bodyPr/>
-          <a:lstStyle/>
-          <a:p>
-            <a:r>
-              <a:rPr lang="sv-SE" dirty="0" smtClean="0"/>
-              <a:t>Problem</a:t>
-            </a:r>
-            <a:endParaRPr lang="sv-SE" dirty="0"/>
-          </a:p>
-        </p:txBody>
-      </p:sp>
-      <p:sp>
-        <p:nvSpPr>
-          <p:cNvPr id="3" name="Content Placeholder 2"/>
-          <p:cNvSpPr>
-            <a:spLocks noGrp="1"/>
-          </p:cNvSpPr>
-          <p:nvPr>
-            <p:ph idx="1"/>
-          </p:nvPr>
-        </p:nvSpPr>
-        <p:spPr/>
-        <p:txBody>
-          <a:bodyPr/>
-          <a:lstStyle/>
-          <a:p>
-            <a:r>
-              <a:rPr lang="sv-SE" dirty="0" err="1" smtClean="0"/>
-              <a:t>Javascript</a:t>
-            </a:r>
-            <a:endParaRPr lang="sv-SE" dirty="0" smtClean="0"/>
-          </a:p>
-          <a:p>
-            <a:r>
-              <a:rPr lang="sv-SE" dirty="0" err="1" smtClean="0"/>
-              <a:t>Css</a:t>
-            </a:r>
-            <a:endParaRPr lang="sv-SE" dirty="0" smtClean="0"/>
-          </a:p>
-          <a:p>
-            <a:r>
-              <a:rPr lang="sv-SE" dirty="0" smtClean="0"/>
-              <a:t>Id och egenskaper tappar sitt värde</a:t>
-            </a:r>
-          </a:p>
-          <a:p>
-            <a:endParaRPr lang="sv-SE" dirty="0"/>
-          </a:p>
-        </p:txBody>
-      </p:sp>
-      <p:sp>
-        <p:nvSpPr>
           <p:cNvPr id="4" name="Slide Number Placeholder 3"/>
           <p:cNvSpPr>
             <a:spLocks noGrp="1"/>
@@ -5246,10 +5221,101 @@
           </a:p>
         </p:txBody>
       </p:sp>
+      <p:sp>
+        <p:nvSpPr>
+          <p:cNvPr id="5" name="Title 1"/>
+          <p:cNvSpPr>
+            <a:spLocks noGrp="1"/>
+          </p:cNvSpPr>
+          <p:nvPr>
+            <p:ph type="title"/>
+          </p:nvPr>
+        </p:nvSpPr>
+        <p:spPr>
+          <a:xfrm>
+            <a:off x="457200" y="274638"/>
+            <a:ext cx="8229600" cy="1143000"/>
+          </a:xfrm>
+        </p:spPr>
+        <p:txBody>
+          <a:bodyPr/>
+          <a:lstStyle/>
+          <a:p>
+            <a:r>
+              <a:rPr lang="sv-SE" dirty="0" smtClean="0"/>
+              <a:t>Baskrav</a:t>
+            </a:r>
+            <a:endParaRPr lang="sv-SE" dirty="0"/>
+          </a:p>
+        </p:txBody>
+      </p:sp>
+      <p:sp>
+        <p:nvSpPr>
+          <p:cNvPr id="6" name="Content Placeholder 2"/>
+          <p:cNvSpPr>
+            <a:spLocks noGrp="1"/>
+          </p:cNvSpPr>
+          <p:nvPr>
+            <p:ph idx="1"/>
+          </p:nvPr>
+        </p:nvSpPr>
+        <p:spPr>
+          <a:xfrm>
+            <a:off x="457200" y="1600200"/>
+            <a:ext cx="8229600" cy="4525963"/>
+          </a:xfrm>
+        </p:spPr>
+        <p:txBody>
+          <a:bodyPr/>
+          <a:lstStyle/>
+          <a:p>
+            <a:r>
+              <a:rPr lang="sv-SE" dirty="0" smtClean="0"/>
+              <a:t>Jag kan ladda upp bilder</a:t>
+            </a:r>
+          </a:p>
+          <a:p>
+            <a:r>
+              <a:rPr lang="sv-SE" dirty="0" smtClean="0"/>
+              <a:t>Jag kan ta bort bilder</a:t>
+            </a:r>
+          </a:p>
+          <a:p>
+            <a:r>
+              <a:rPr lang="sv-SE" dirty="0" smtClean="0"/>
+              <a:t>Jag kan skapa en bloggpost</a:t>
+            </a:r>
+          </a:p>
+          <a:p>
+            <a:r>
+              <a:rPr lang="sv-SE" dirty="0" smtClean="0"/>
+              <a:t>Jag kan ta bort och redigera ovanstående</a:t>
+            </a:r>
+          </a:p>
+          <a:p>
+            <a:r>
+              <a:rPr lang="sv-SE" dirty="0" smtClean="0"/>
+              <a:t>Alla kan kommentera så länge de har ett </a:t>
+            </a:r>
+            <a:r>
+              <a:rPr lang="sv-SE" dirty="0" err="1" smtClean="0"/>
+              <a:t>facebook-konto</a:t>
+            </a:r>
+            <a:endParaRPr lang="sv-SE" dirty="0" smtClean="0"/>
+          </a:p>
+          <a:p>
+            <a:r>
+              <a:rPr lang="sv-SE" dirty="0" smtClean="0"/>
+              <a:t>Alla kan se bilder jag tagit och läsa bloggposter</a:t>
+            </a:r>
+            <a:endParaRPr lang="sv-SE" dirty="0"/>
+          </a:p>
+        </p:txBody>
+      </p:sp>
     </p:spTree>
     <p:extLst>
       <p:ext uri="{BB962C8B-B14F-4D97-AF65-F5344CB8AC3E}">
-        <p14:creationId xmlns:p14="http://schemas.microsoft.com/office/powerpoint/2010/main" xmlns="" val="1093965563"/>
+        <p14:creationId xmlns="" xmlns:p14="http://schemas.microsoft.com/office/powerpoint/2010/main" val="1799482653"/>
       </p:ext>
     </p:extLst>
   </p:cSld>
@@ -5257,7 +5323,7 @@
     <a:masterClrMapping/>
   </p:clrMapOvr>
   <mc:AlternateContent xmlns:mc="http://schemas.openxmlformats.org/markup-compatibility/2006">
-    <mc:Choice xmlns:p14="http://schemas.microsoft.com/office/powerpoint/2010/main" xmlns="" Requires="p14">
+    <mc:Choice xmlns="" xmlns:p14="http://schemas.microsoft.com/office/powerpoint/2010/main" Requires="p14">
       <p:transition spd="slow" p14:dur="2000" advTm="15000"/>
     </mc:Choice>
     <mc:Fallback>
@@ -5293,68 +5359,6 @@
       </p:grpSpPr>
       <p:sp>
         <p:nvSpPr>
-          <p:cNvPr id="2" name="Title 1"/>
-          <p:cNvSpPr>
-            <a:spLocks noGrp="1"/>
-          </p:cNvSpPr>
-          <p:nvPr>
-            <p:ph type="title"/>
-          </p:nvPr>
-        </p:nvSpPr>
-        <p:spPr/>
-        <p:txBody>
-          <a:bodyPr/>
-          <a:lstStyle/>
-          <a:p>
-            <a:r>
-              <a:rPr lang="sv-SE" dirty="0" smtClean="0"/>
-              <a:t>Nya kunskaper</a:t>
-            </a:r>
-            <a:endParaRPr lang="sv-SE" dirty="0"/>
-          </a:p>
-        </p:txBody>
-      </p:sp>
-      <p:sp>
-        <p:nvSpPr>
-          <p:cNvPr id="3" name="Content Placeholder 2"/>
-          <p:cNvSpPr>
-            <a:spLocks noGrp="1"/>
-          </p:cNvSpPr>
-          <p:nvPr>
-            <p:ph idx="1"/>
-          </p:nvPr>
-        </p:nvSpPr>
-        <p:spPr/>
-        <p:txBody>
-          <a:bodyPr/>
-          <a:lstStyle/>
-          <a:p>
-            <a:r>
-              <a:rPr lang="sv-SE" dirty="0" err="1" smtClean="0"/>
-              <a:t>Javascript</a:t>
-            </a:r>
-            <a:r>
-              <a:rPr lang="sv-SE" dirty="0" smtClean="0"/>
-              <a:t> i ASP.NET Web Forms</a:t>
-            </a:r>
-          </a:p>
-          <a:p>
-            <a:r>
-              <a:rPr lang="sv-SE" dirty="0" smtClean="0"/>
-              <a:t>Kryptering</a:t>
-            </a:r>
-          </a:p>
-          <a:p>
-            <a:r>
-              <a:rPr lang="sv-SE" dirty="0" smtClean="0"/>
-              <a:t>En hel del småsaker</a:t>
-            </a:r>
-            <a:endParaRPr lang="sv-SE" dirty="0"/>
-          </a:p>
-        </p:txBody>
-      </p:sp>
-      <p:sp>
-        <p:nvSpPr>
           <p:cNvPr id="4" name="Slide Number Placeholder 3"/>
           <p:cNvSpPr>
             <a:spLocks noGrp="1"/>
@@ -5377,10 +5381,101 @@
           </a:p>
         </p:txBody>
       </p:sp>
+      <p:sp>
+        <p:nvSpPr>
+          <p:cNvPr id="5" name="Title 1"/>
+          <p:cNvSpPr>
+            <a:spLocks noGrp="1"/>
+          </p:cNvSpPr>
+          <p:nvPr>
+            <p:ph type="title"/>
+          </p:nvPr>
+        </p:nvSpPr>
+        <p:spPr>
+          <a:xfrm>
+            <a:off x="457200" y="274638"/>
+            <a:ext cx="8229600" cy="1143000"/>
+          </a:xfrm>
+        </p:spPr>
+        <p:txBody>
+          <a:bodyPr/>
+          <a:lstStyle/>
+          <a:p>
+            <a:r>
+              <a:rPr lang="sv-SE" dirty="0" smtClean="0"/>
+              <a:t>Baskrav</a:t>
+            </a:r>
+            <a:endParaRPr lang="sv-SE" dirty="0"/>
+          </a:p>
+        </p:txBody>
+      </p:sp>
+      <p:sp>
+        <p:nvSpPr>
+          <p:cNvPr id="6" name="Content Placeholder 2"/>
+          <p:cNvSpPr>
+            <a:spLocks noGrp="1"/>
+          </p:cNvSpPr>
+          <p:nvPr>
+            <p:ph idx="1"/>
+          </p:nvPr>
+        </p:nvSpPr>
+        <p:spPr>
+          <a:xfrm>
+            <a:off x="457200" y="1600200"/>
+            <a:ext cx="8229600" cy="4525963"/>
+          </a:xfrm>
+        </p:spPr>
+        <p:txBody>
+          <a:bodyPr/>
+          <a:lstStyle/>
+          <a:p>
+            <a:r>
+              <a:rPr lang="sv-SE" dirty="0" smtClean="0"/>
+              <a:t>Jag kan ladda upp bilder</a:t>
+            </a:r>
+          </a:p>
+          <a:p>
+            <a:r>
+              <a:rPr lang="sv-SE" dirty="0" smtClean="0"/>
+              <a:t>Jag kan ta bort bilder</a:t>
+            </a:r>
+          </a:p>
+          <a:p>
+            <a:r>
+              <a:rPr lang="sv-SE" dirty="0" smtClean="0"/>
+              <a:t>Jag kan skapa en bloggpost</a:t>
+            </a:r>
+          </a:p>
+          <a:p>
+            <a:r>
+              <a:rPr lang="sv-SE" dirty="0" smtClean="0"/>
+              <a:t>Jag kan ta bort och redigera ovanstående</a:t>
+            </a:r>
+          </a:p>
+          <a:p>
+            <a:r>
+              <a:rPr lang="sv-SE" dirty="0" smtClean="0"/>
+              <a:t>Alla kan kommentera så länge de har ett </a:t>
+            </a:r>
+            <a:r>
+              <a:rPr lang="sv-SE" dirty="0" err="1" smtClean="0"/>
+              <a:t>facebook-konto</a:t>
+            </a:r>
+            <a:endParaRPr lang="sv-SE" dirty="0" smtClean="0"/>
+          </a:p>
+          <a:p>
+            <a:r>
+              <a:rPr lang="sv-SE" dirty="0" smtClean="0"/>
+              <a:t>Alla kan se bilder jag tagit och läsa bloggposter</a:t>
+            </a:r>
+            <a:endParaRPr lang="sv-SE" dirty="0"/>
+          </a:p>
+        </p:txBody>
+      </p:sp>
     </p:spTree>
     <p:extLst>
       <p:ext uri="{BB962C8B-B14F-4D97-AF65-F5344CB8AC3E}">
-        <p14:creationId xmlns:p14="http://schemas.microsoft.com/office/powerpoint/2010/main" xmlns="" val="1117672552"/>
+        <p14:creationId xmlns="" xmlns:p14="http://schemas.microsoft.com/office/powerpoint/2010/main" val="2114805450"/>
       </p:ext>
     </p:extLst>
   </p:cSld>
@@ -5388,7 +5483,7 @@
     <a:masterClrMapping/>
   </p:clrMapOvr>
   <mc:AlternateContent xmlns:mc="http://schemas.openxmlformats.org/markup-compatibility/2006">
-    <mc:Choice xmlns:p14="http://schemas.microsoft.com/office/powerpoint/2010/main" xmlns="" Requires="p14">
+    <mc:Choice xmlns="" xmlns:p14="http://schemas.microsoft.com/office/powerpoint/2010/main" Requires="p14">
       <p:transition spd="slow" p14:dur="2000" advTm="15000"/>
     </mc:Choice>
     <mc:Fallback>
@@ -5439,7 +5534,7 @@
           <a:p>
             <a:r>
               <a:rPr lang="sv-SE" dirty="0" smtClean="0"/>
-              <a:t>Exempel</a:t>
+              <a:t>Problem</a:t>
             </a:r>
             <a:endParaRPr lang="sv-SE" dirty="0"/>
           </a:p>
@@ -5461,9 +5556,25 @@
           <a:lstStyle/>
           <a:p>
             <a:r>
+              <a:rPr lang="sv-SE" dirty="0" err="1" smtClean="0"/>
+              <a:t>Javascript</a:t>
+            </a:r>
+            <a:endParaRPr lang="sv-SE" dirty="0" smtClean="0"/>
+          </a:p>
+          <a:p>
+            <a:r>
+              <a:rPr lang="sv-SE" dirty="0" err="1" smtClean="0"/>
+              <a:t>Css</a:t>
+            </a:r>
+            <a:endParaRPr lang="sv-SE" dirty="0" smtClean="0"/>
+          </a:p>
+          <a:p>
+            <a:r>
               <a:rPr lang="sv-SE" dirty="0" smtClean="0"/>
-              <a:t>Bild från applikation här</a:t>
-            </a:r>
+              <a:t>Id och egenskaper tappar sitt värde</a:t>
+            </a:r>
+          </a:p>
+          <a:p>
             <a:endParaRPr lang="sv-SE" dirty="0"/>
           </a:p>
         </p:txBody>
@@ -5495,7 +5606,7 @@
     </p:spTree>
     <p:extLst>
       <p:ext uri="{BB962C8B-B14F-4D97-AF65-F5344CB8AC3E}">
-        <p14:creationId xmlns:p14="http://schemas.microsoft.com/office/powerpoint/2010/main" xmlns="" val="3604441816"/>
+        <p14:creationId xmlns="" xmlns:p14="http://schemas.microsoft.com/office/powerpoint/2010/main" val="1093965563"/>
       </p:ext>
     </p:extLst>
   </p:cSld>
@@ -5503,7 +5614,7 @@
     <a:masterClrMapping/>
   </p:clrMapOvr>
   <mc:AlternateContent xmlns:mc="http://schemas.openxmlformats.org/markup-compatibility/2006">
-    <mc:Choice xmlns:p14="http://schemas.microsoft.com/office/powerpoint/2010/main" xmlns="" Requires="p14">
+    <mc:Choice xmlns="" xmlns:p14="http://schemas.microsoft.com/office/powerpoint/2010/main" Requires="p14">
       <p:transition spd="slow" p14:dur="2000" advTm="15000"/>
     </mc:Choice>
     <mc:Fallback>
@@ -5539,52 +5650,6 @@
       </p:grpSpPr>
       <p:sp>
         <p:nvSpPr>
-          <p:cNvPr id="2" name="Title 1"/>
-          <p:cNvSpPr>
-            <a:spLocks noGrp="1"/>
-          </p:cNvSpPr>
-          <p:nvPr>
-            <p:ph type="title"/>
-          </p:nvPr>
-        </p:nvSpPr>
-        <p:spPr/>
-        <p:txBody>
-          <a:bodyPr/>
-          <a:lstStyle/>
-          <a:p>
-            <a:r>
-              <a:rPr lang="sv-SE" dirty="0" smtClean="0"/>
-              <a:t>Exempel</a:t>
-            </a:r>
-            <a:endParaRPr lang="sv-SE" dirty="0"/>
-          </a:p>
-        </p:txBody>
-      </p:sp>
-      <p:sp>
-        <p:nvSpPr>
-          <p:cNvPr id="3" name="Content Placeholder 2"/>
-          <p:cNvSpPr>
-            <a:spLocks noGrp="1"/>
-          </p:cNvSpPr>
-          <p:nvPr>
-            <p:ph idx="1"/>
-          </p:nvPr>
-        </p:nvSpPr>
-        <p:spPr/>
-        <p:txBody>
-          <a:bodyPr/>
-          <a:lstStyle/>
-          <a:p>
-            <a:r>
-              <a:rPr lang="sv-SE" dirty="0" smtClean="0"/>
-              <a:t>Bild från applikation här</a:t>
-            </a:r>
-            <a:endParaRPr lang="sv-SE" dirty="0"/>
-          </a:p>
-        </p:txBody>
-      </p:sp>
-      <p:sp>
-        <p:nvSpPr>
           <p:cNvPr id="4" name="Slide Number Placeholder 3"/>
           <p:cNvSpPr>
             <a:spLocks noGrp="1"/>
@@ -5607,10 +5672,82 @@
           </a:p>
         </p:txBody>
       </p:sp>
+      <p:sp>
+        <p:nvSpPr>
+          <p:cNvPr id="7" name="Title 1"/>
+          <p:cNvSpPr>
+            <a:spLocks noGrp="1"/>
+          </p:cNvSpPr>
+          <p:nvPr>
+            <p:ph type="title"/>
+          </p:nvPr>
+        </p:nvSpPr>
+        <p:spPr>
+          <a:xfrm>
+            <a:off x="457200" y="274638"/>
+            <a:ext cx="8229600" cy="1143000"/>
+          </a:xfrm>
+        </p:spPr>
+        <p:txBody>
+          <a:bodyPr/>
+          <a:lstStyle/>
+          <a:p>
+            <a:r>
+              <a:rPr lang="sv-SE" dirty="0" smtClean="0"/>
+              <a:t>Problem</a:t>
+            </a:r>
+            <a:endParaRPr lang="sv-SE" dirty="0"/>
+          </a:p>
+        </p:txBody>
+      </p:sp>
+      <p:sp>
+        <p:nvSpPr>
+          <p:cNvPr id="8" name="Content Placeholder 2"/>
+          <p:cNvSpPr>
+            <a:spLocks noGrp="1"/>
+          </p:cNvSpPr>
+          <p:nvPr>
+            <p:ph idx="1"/>
+          </p:nvPr>
+        </p:nvSpPr>
+        <p:spPr>
+          <a:xfrm>
+            <a:off x="457200" y="1600200"/>
+            <a:ext cx="8229600" cy="4525963"/>
+          </a:xfrm>
+        </p:spPr>
+        <p:txBody>
+          <a:bodyPr/>
+          <a:lstStyle/>
+          <a:p>
+            <a:r>
+              <a:rPr lang="sv-SE" dirty="0" err="1" smtClean="0"/>
+              <a:t>Javascript</a:t>
+            </a:r>
+            <a:endParaRPr lang="sv-SE" dirty="0" smtClean="0"/>
+          </a:p>
+          <a:p>
+            <a:r>
+              <a:rPr lang="sv-SE" dirty="0" err="1" smtClean="0"/>
+              <a:t>Css</a:t>
+            </a:r>
+            <a:endParaRPr lang="sv-SE" dirty="0" smtClean="0"/>
+          </a:p>
+          <a:p>
+            <a:r>
+              <a:rPr lang="sv-SE" dirty="0" smtClean="0"/>
+              <a:t>Id och egenskaper tappar sitt värde</a:t>
+            </a:r>
+          </a:p>
+          <a:p>
+            <a:endParaRPr lang="sv-SE" dirty="0"/>
+          </a:p>
+        </p:txBody>
+      </p:sp>
     </p:spTree>
     <p:extLst>
       <p:ext uri="{BB962C8B-B14F-4D97-AF65-F5344CB8AC3E}">
-        <p14:creationId xmlns:p14="http://schemas.microsoft.com/office/powerpoint/2010/main" xmlns="" val="3686721605"/>
+        <p14:creationId xmlns="" xmlns:p14="http://schemas.microsoft.com/office/powerpoint/2010/main" val="938570143"/>
       </p:ext>
     </p:extLst>
   </p:cSld>
@@ -5618,7 +5755,7 @@
     <a:masterClrMapping/>
   </p:clrMapOvr>
   <mc:AlternateContent xmlns:mc="http://schemas.openxmlformats.org/markup-compatibility/2006">
-    <mc:Choice xmlns:p14="http://schemas.microsoft.com/office/powerpoint/2010/main" xmlns="" Requires="p14">
+    <mc:Choice xmlns="" xmlns:p14="http://schemas.microsoft.com/office/powerpoint/2010/main" Requires="p14">
       <p:transition spd="slow" p14:dur="2000" advTm="15000"/>
     </mc:Choice>
     <mc:Fallback>
@@ -5654,52 +5791,6 @@
       </p:grpSpPr>
       <p:sp>
         <p:nvSpPr>
-          <p:cNvPr id="2" name="Title 1"/>
-          <p:cNvSpPr>
-            <a:spLocks noGrp="1"/>
-          </p:cNvSpPr>
-          <p:nvPr>
-            <p:ph type="title"/>
-          </p:nvPr>
-        </p:nvSpPr>
-        <p:spPr/>
-        <p:txBody>
-          <a:bodyPr/>
-          <a:lstStyle/>
-          <a:p>
-            <a:r>
-              <a:rPr lang="sv-SE" dirty="0" smtClean="0"/>
-              <a:t>Exempel</a:t>
-            </a:r>
-            <a:endParaRPr lang="sv-SE" dirty="0"/>
-          </a:p>
-        </p:txBody>
-      </p:sp>
-      <p:sp>
-        <p:nvSpPr>
-          <p:cNvPr id="3" name="Content Placeholder 2"/>
-          <p:cNvSpPr>
-            <a:spLocks noGrp="1"/>
-          </p:cNvSpPr>
-          <p:nvPr>
-            <p:ph idx="1"/>
-          </p:nvPr>
-        </p:nvSpPr>
-        <p:spPr/>
-        <p:txBody>
-          <a:bodyPr/>
-          <a:lstStyle/>
-          <a:p>
-            <a:r>
-              <a:rPr lang="sv-SE" dirty="0" smtClean="0"/>
-              <a:t>Bild från applikation här</a:t>
-            </a:r>
-            <a:endParaRPr lang="sv-SE" dirty="0"/>
-          </a:p>
-        </p:txBody>
-      </p:sp>
-      <p:sp>
-        <p:nvSpPr>
           <p:cNvPr id="4" name="Slide Number Placeholder 3"/>
           <p:cNvSpPr>
             <a:spLocks noGrp="1"/>
@@ -5722,10 +5813,82 @@
           </a:p>
         </p:txBody>
       </p:sp>
+      <p:sp>
+        <p:nvSpPr>
+          <p:cNvPr id="5" name="Title 1"/>
+          <p:cNvSpPr>
+            <a:spLocks noGrp="1"/>
+          </p:cNvSpPr>
+          <p:nvPr>
+            <p:ph type="title"/>
+          </p:nvPr>
+        </p:nvSpPr>
+        <p:spPr>
+          <a:xfrm>
+            <a:off x="457200" y="274638"/>
+            <a:ext cx="8229600" cy="1143000"/>
+          </a:xfrm>
+        </p:spPr>
+        <p:txBody>
+          <a:bodyPr/>
+          <a:lstStyle/>
+          <a:p>
+            <a:r>
+              <a:rPr lang="sv-SE" dirty="0" smtClean="0"/>
+              <a:t>Problem</a:t>
+            </a:r>
+            <a:endParaRPr lang="sv-SE" dirty="0"/>
+          </a:p>
+        </p:txBody>
+      </p:sp>
+      <p:sp>
+        <p:nvSpPr>
+          <p:cNvPr id="6" name="Content Placeholder 2"/>
+          <p:cNvSpPr>
+            <a:spLocks noGrp="1"/>
+          </p:cNvSpPr>
+          <p:nvPr>
+            <p:ph idx="1"/>
+          </p:nvPr>
+        </p:nvSpPr>
+        <p:spPr>
+          <a:xfrm>
+            <a:off x="457200" y="1600200"/>
+            <a:ext cx="8229600" cy="4525963"/>
+          </a:xfrm>
+        </p:spPr>
+        <p:txBody>
+          <a:bodyPr/>
+          <a:lstStyle/>
+          <a:p>
+            <a:r>
+              <a:rPr lang="sv-SE" dirty="0" err="1" smtClean="0"/>
+              <a:t>Javascript</a:t>
+            </a:r>
+            <a:endParaRPr lang="sv-SE" dirty="0" smtClean="0"/>
+          </a:p>
+          <a:p>
+            <a:r>
+              <a:rPr lang="sv-SE" dirty="0" err="1" smtClean="0"/>
+              <a:t>Css</a:t>
+            </a:r>
+            <a:endParaRPr lang="sv-SE" dirty="0" smtClean="0"/>
+          </a:p>
+          <a:p>
+            <a:r>
+              <a:rPr lang="sv-SE" dirty="0" smtClean="0"/>
+              <a:t>Id och egenskaper tappar sitt värde</a:t>
+            </a:r>
+          </a:p>
+          <a:p>
+            <a:endParaRPr lang="sv-SE" dirty="0"/>
+          </a:p>
+        </p:txBody>
+      </p:sp>
     </p:spTree>
     <p:extLst>
       <p:ext uri="{BB962C8B-B14F-4D97-AF65-F5344CB8AC3E}">
-        <p14:creationId xmlns:p14="http://schemas.microsoft.com/office/powerpoint/2010/main" xmlns="" val="4184343030"/>
+        <p14:creationId xmlns="" xmlns:p14="http://schemas.microsoft.com/office/powerpoint/2010/main" val="1223803359"/>
       </p:ext>
     </p:extLst>
   </p:cSld>
@@ -5733,7 +5896,7 @@
     <a:masterClrMapping/>
   </p:clrMapOvr>
   <mc:AlternateContent xmlns:mc="http://schemas.openxmlformats.org/markup-compatibility/2006">
-    <mc:Choice xmlns:p14="http://schemas.microsoft.com/office/powerpoint/2010/main" xmlns="" Requires="p14">
+    <mc:Choice xmlns="" xmlns:p14="http://schemas.microsoft.com/office/powerpoint/2010/main" Requires="p14">
       <p:transition spd="slow" p14:dur="2000" advTm="15000"/>
     </mc:Choice>
     <mc:Fallback>
@@ -5784,7 +5947,7 @@
           <a:p>
             <a:r>
               <a:rPr lang="sv-SE" dirty="0" smtClean="0"/>
-              <a:t>Gränssnitt</a:t>
+              <a:t>Nya kunskaper</a:t>
             </a:r>
             <a:endParaRPr lang="sv-SE" dirty="0"/>
           </a:p>
@@ -5806,29 +5969,25 @@
           <a:lstStyle/>
           <a:p>
             <a:r>
+              <a:rPr lang="sv-SE" dirty="0" err="1" smtClean="0"/>
+              <a:t>Javascript</a:t>
+            </a:r>
+            <a:r>
               <a:rPr lang="sv-SE" dirty="0" smtClean="0"/>
-              <a:t>Enkelt.</a:t>
+              <a:t> i ASP.NET Web Forms</a:t>
             </a:r>
           </a:p>
           <a:p>
             <a:r>
               <a:rPr lang="sv-SE" dirty="0" smtClean="0"/>
-              <a:t>En logga som drar blicken till sig så att besökare kommer ihåg den.</a:t>
+              <a:t>Kryptering</a:t>
             </a:r>
           </a:p>
           <a:p>
             <a:r>
               <a:rPr lang="sv-SE" dirty="0" smtClean="0"/>
-              <a:t>Färger som passar bra tillsammans.</a:t>
-            </a:r>
-          </a:p>
-          <a:p>
-            <a:r>
-              <a:rPr lang="sv-SE" dirty="0" smtClean="0"/>
-              <a:t>En mörk bakgrundsfärg vilket jag tycker passar bra till bilder.</a:t>
-            </a:r>
-          </a:p>
-          <a:p>
+              <a:t>En hel del småsaker</a:t>
+            </a:r>
             <a:endParaRPr lang="sv-SE" dirty="0"/>
           </a:p>
         </p:txBody>
@@ -5860,7 +6019,7 @@
     </p:spTree>
     <p:extLst>
       <p:ext uri="{BB962C8B-B14F-4D97-AF65-F5344CB8AC3E}">
-        <p14:creationId xmlns:p14="http://schemas.microsoft.com/office/powerpoint/2010/main" xmlns="" val="3166430847"/>
+        <p14:creationId xmlns="" xmlns:p14="http://schemas.microsoft.com/office/powerpoint/2010/main" val="1117672552"/>
       </p:ext>
     </p:extLst>
   </p:cSld>
@@ -5868,7 +6027,7 @@
     <a:masterClrMapping/>
   </p:clrMapOvr>
   <mc:AlternateContent xmlns:mc="http://schemas.openxmlformats.org/markup-compatibility/2006">
-    <mc:Choice xmlns:p14="http://schemas.microsoft.com/office/powerpoint/2010/main" xmlns="" Requires="p14">
+    <mc:Choice xmlns="" xmlns:p14="http://schemas.microsoft.com/office/powerpoint/2010/main" Requires="p14">
       <p:transition spd="slow" p14:dur="2000" advTm="15000"/>
     </mc:Choice>
     <mc:Fallback>
